--- a/Day 9 & 10/2. JSPs/Slides/5. Handling Exceptions in JSP/5-java-ee-java-server-pages-m5-slides.pptx
+++ b/Day 9 & 10/2. JSPs/Slides/5. Handling Exceptions in JSP/5-java-ee-java-server-pages-m5-slides.pptx
@@ -5,20 +5,20 @@
     <p:sldMasterId id="2147483648" r:id="rId1"/>
   </p:sldMasterIdLst>
   <p:notesMasterIdLst>
-    <p:notesMasterId r:id="rId14"/>
+    <p:notesMasterId r:id="rId13"/>
   </p:notesMasterIdLst>
   <p:sldIdLst>
-    <p:sldId id="256" r:id="rId3"/>
-    <p:sldId id="257" r:id="rId4"/>
-    <p:sldId id="258" r:id="rId5"/>
-    <p:sldId id="259" r:id="rId6"/>
-    <p:sldId id="265" r:id="rId7"/>
-    <p:sldId id="266" r:id="rId8"/>
-    <p:sldId id="260" r:id="rId9"/>
-    <p:sldId id="261" r:id="rId10"/>
-    <p:sldId id="262" r:id="rId11"/>
-    <p:sldId id="263" r:id="rId12"/>
-    <p:sldId id="264" r:id="rId13"/>
+    <p:sldId id="256" r:id="rId2"/>
+    <p:sldId id="257" r:id="rId3"/>
+    <p:sldId id="258" r:id="rId4"/>
+    <p:sldId id="259" r:id="rId5"/>
+    <p:sldId id="265" r:id="rId6"/>
+    <p:sldId id="266" r:id="rId7"/>
+    <p:sldId id="260" r:id="rId8"/>
+    <p:sldId id="261" r:id="rId9"/>
+    <p:sldId id="262" r:id="rId10"/>
+    <p:sldId id="263" r:id="rId11"/>
+    <p:sldId id="264" r:id="rId12"/>
   </p:sldIdLst>
   <p:sldSz cx="12192000" cy="6858000"/>
   <p:notesSz cx="12192000" cy="6858000"/>
@@ -114,6 +114,22 @@
       </a:defRPr>
     </a:lvl9pPr>
   </p:defaultTextStyle>
+  <p:extLst>
+    <p:ext uri="{EFAFB233-063F-42B5-8137-9DF3F51BA10A}">
+      <p15:sldGuideLst xmlns:p15="http://schemas.microsoft.com/office/powerpoint/2012/main">
+        <p15:guide id="1" orient="horz" pos="2890">
+          <p15:clr>
+            <a:srgbClr val="A4A3A4"/>
+          </p15:clr>
+        </p15:guide>
+        <p15:guide id="2" pos="2179">
+          <p15:clr>
+            <a:srgbClr val="A4A3A4"/>
+          </p15:clr>
+        </p15:guide>
+      </p15:sldGuideLst>
+    </p:ext>
+  </p:extLst>
 </p:presentation>
 </file>
 
@@ -199,6 +215,7 @@
           <a:p>
             <a:fld id="{3EFD42F7-718C-4B98-AAEC-167E6DDD60A7}" type="datetimeFigureOut">
               <a:rPr lang="en-US" smtClean="0"/>
+              <a:t>8/18/2023</a:t>
             </a:fld>
             <a:endParaRPr lang="en-US"/>
           </a:p>
@@ -262,42 +279,37 @@
           <a:p>
             <a:pPr lvl="0"/>
             <a:r>
-              <a:rPr lang="en-US" smtClean="0"/>
+              <a:rPr lang="en-US"/>
               <a:t>Click to edit Master text styles</a:t>
             </a:r>
-            <a:endParaRPr lang="en-US" smtClean="0"/>
           </a:p>
           <a:p>
             <a:pPr lvl="1"/>
             <a:r>
-              <a:rPr lang="en-US" smtClean="0"/>
+              <a:rPr lang="en-US"/>
               <a:t>Second level</a:t>
             </a:r>
-            <a:endParaRPr lang="en-US" smtClean="0"/>
           </a:p>
           <a:p>
             <a:pPr lvl="2"/>
             <a:r>
-              <a:rPr lang="en-US" smtClean="0"/>
+              <a:rPr lang="en-US"/>
               <a:t>Third level</a:t>
             </a:r>
-            <a:endParaRPr lang="en-US" smtClean="0"/>
           </a:p>
           <a:p>
             <a:pPr lvl="3"/>
             <a:r>
-              <a:rPr lang="en-US" smtClean="0"/>
+              <a:rPr lang="en-US"/>
               <a:t>Fourth level</a:t>
             </a:r>
-            <a:endParaRPr lang="en-US" smtClean="0"/>
           </a:p>
           <a:p>
             <a:pPr lvl="4"/>
             <a:r>
-              <a:rPr lang="en-US" smtClean="0"/>
+              <a:rPr lang="en-US"/>
               <a:t>Fifth level</a:t>
             </a:r>
-            <a:endParaRPr lang="en-US"/>
           </a:p>
         </p:txBody>
       </p:sp>
@@ -361,6 +373,7 @@
           <a:p>
             <a:fld id="{21B2AA4F-B828-4D7C-AFD3-893933DAFCB4}" type="slidenum">
               <a:rPr lang="en-US" smtClean="0"/>
+              <a:t>‹#›</a:t>
             </a:fld>
             <a:endParaRPr lang="en-US"/>
           </a:p>
@@ -513,7 +526,9 @@
               </a:defRPr>
             </a:lvl1pPr>
           </a:lstStyle>
-          <a:p/>
+          <a:p>
+            <a:endParaRPr/>
+          </a:p>
         </p:txBody>
       </p:sp>
       <p:sp>
@@ -544,7 +559,9 @@
               <a:defRPr/>
             </a:lvl1pPr>
           </a:lstStyle>
-          <a:p/>
+          <a:p>
+            <a:endParaRPr/>
+          </a:p>
         </p:txBody>
       </p:sp>
       <p:sp>
@@ -571,7 +588,9 @@
               </a:defRPr>
             </a:lvl1pPr>
           </a:lstStyle>
-          <a:p/>
+          <a:p>
+            <a:endParaRPr/>
+          </a:p>
         </p:txBody>
       </p:sp>
       <p:sp>
@@ -601,6 +620,7 @@
           <a:p>
             <a:fld id="{1D8BD707-D9CF-40AE-B4C6-C98DA3205C09}" type="datetimeFigureOut">
               <a:rPr lang="en-US"/>
+              <a:t>8/18/2023</a:t>
             </a:fld>
             <a:endParaRPr lang="en-US"/>
           </a:p>
@@ -633,6 +653,7 @@
           <a:p>
             <a:fld id="{B6F15528-21DE-4FAA-801E-634DDDAF4B2B}" type="slidenum">
               <a:rPr/>
+              <a:t>‹#›</a:t>
             </a:fld>
             <a:endParaRPr/>
           </a:p>
@@ -688,7 +709,9 @@
               </a:defRPr>
             </a:lvl1pPr>
           </a:lstStyle>
-          <a:p/>
+          <a:p>
+            <a:endParaRPr/>
+          </a:p>
         </p:txBody>
       </p:sp>
       <p:sp>
@@ -715,7 +738,9 @@
               </a:defRPr>
             </a:lvl1pPr>
           </a:lstStyle>
-          <a:p/>
+          <a:p>
+            <a:endParaRPr/>
+          </a:p>
         </p:txBody>
       </p:sp>
       <p:sp>
@@ -742,7 +767,9 @@
               </a:defRPr>
             </a:lvl1pPr>
           </a:lstStyle>
-          <a:p/>
+          <a:p>
+            <a:endParaRPr/>
+          </a:p>
         </p:txBody>
       </p:sp>
       <p:sp>
@@ -772,6 +799,7 @@
           <a:p>
             <a:fld id="{1D8BD707-D9CF-40AE-B4C6-C98DA3205C09}" type="datetimeFigureOut">
               <a:rPr lang="en-US"/>
+              <a:t>8/18/2023</a:t>
             </a:fld>
             <a:endParaRPr lang="en-US"/>
           </a:p>
@@ -804,6 +832,7 @@
           <a:p>
             <a:fld id="{B6F15528-21DE-4FAA-801E-634DDDAF4B2B}" type="slidenum">
               <a:rPr/>
+              <a:t>‹#›</a:t>
             </a:fld>
             <a:endParaRPr/>
           </a:p>
@@ -819,7 +848,7 @@
 </file>
 
 <file path=ppt/slideLayouts/slideLayout3.xml><?xml version="1.0" encoding="utf-8"?>
-<p:sldLayout xmlns:a="http://schemas.openxmlformats.org/drawingml/2006/main" xmlns:r="http://schemas.openxmlformats.org/officeDocument/2006/relationships" xmlns:p="http://schemas.openxmlformats.org/presentationml/2006/main" type="obj" preserve="1" showMasterSp="0">
+<p:sldLayout xmlns:a="http://schemas.openxmlformats.org/drawingml/2006/main" xmlns:r="http://schemas.openxmlformats.org/officeDocument/2006/relationships" xmlns:p="http://schemas.openxmlformats.org/presentationml/2006/main" showMasterSp="0" type="obj" preserve="1">
   <p:cSld name="Two Content">
     <p:bg>
       <p:bgPr>
@@ -880,7 +909,9 @@
         <p:txBody>
           <a:bodyPr wrap="square" lIns="0" tIns="0" rIns="0" bIns="0" rtlCol="0"/>
           <a:lstStyle/>
-          <a:p/>
+          <a:p>
+            <a:endParaRPr/>
+          </a:p>
         </p:txBody>
       </p:sp>
       <p:sp>
@@ -907,7 +938,9 @@
               </a:defRPr>
             </a:lvl1pPr>
           </a:lstStyle>
-          <a:p/>
+          <a:p>
+            <a:endParaRPr/>
+          </a:p>
         </p:txBody>
       </p:sp>
       <p:sp>
@@ -938,7 +971,9 @@
               <a:defRPr/>
             </a:lvl1pPr>
           </a:lstStyle>
-          <a:p/>
+          <a:p>
+            <a:endParaRPr/>
+          </a:p>
         </p:txBody>
       </p:sp>
       <p:sp>
@@ -969,7 +1004,9 @@
               <a:defRPr/>
             </a:lvl1pPr>
           </a:lstStyle>
-          <a:p/>
+          <a:p>
+            <a:endParaRPr/>
+          </a:p>
         </p:txBody>
       </p:sp>
       <p:sp>
@@ -996,7 +1033,9 @@
               </a:defRPr>
             </a:lvl1pPr>
           </a:lstStyle>
-          <a:p/>
+          <a:p>
+            <a:endParaRPr/>
+          </a:p>
         </p:txBody>
       </p:sp>
       <p:sp>
@@ -1026,6 +1065,7 @@
           <a:p>
             <a:fld id="{1D8BD707-D9CF-40AE-B4C6-C98DA3205C09}" type="datetimeFigureOut">
               <a:rPr lang="en-US"/>
+              <a:t>8/18/2023</a:t>
             </a:fld>
             <a:endParaRPr lang="en-US"/>
           </a:p>
@@ -1058,6 +1098,7 @@
           <a:p>
             <a:fld id="{B6F15528-21DE-4FAA-801E-634DDDAF4B2B}" type="slidenum">
               <a:rPr/>
+              <a:t>‹#›</a:t>
             </a:fld>
             <a:endParaRPr/>
           </a:p>
@@ -1073,7 +1114,7 @@
 </file>
 
 <file path=ppt/slideLayouts/slideLayout4.xml><?xml version="1.0" encoding="utf-8"?>
-<p:sldLayout xmlns:a="http://schemas.openxmlformats.org/drawingml/2006/main" xmlns:r="http://schemas.openxmlformats.org/officeDocument/2006/relationships" xmlns:p="http://schemas.openxmlformats.org/presentationml/2006/main" type="obj" preserve="1" showMasterSp="0">
+<p:sldLayout xmlns:a="http://schemas.openxmlformats.org/drawingml/2006/main" xmlns:r="http://schemas.openxmlformats.org/officeDocument/2006/relationships" xmlns:p="http://schemas.openxmlformats.org/presentationml/2006/main" showMasterSp="0" type="obj" preserve="1">
   <p:cSld name="Title Only">
     <p:bg>
       <p:bgPr>
@@ -1143,7 +1184,9 @@
               </a:defRPr>
             </a:lvl1pPr>
           </a:lstStyle>
-          <a:p/>
+          <a:p>
+            <a:endParaRPr/>
+          </a:p>
         </p:txBody>
       </p:sp>
       <p:sp>
@@ -1170,7 +1213,9 @@
               </a:defRPr>
             </a:lvl1pPr>
           </a:lstStyle>
-          <a:p/>
+          <a:p>
+            <a:endParaRPr/>
+          </a:p>
         </p:txBody>
       </p:sp>
       <p:sp>
@@ -1200,6 +1245,7 @@
           <a:p>
             <a:fld id="{1D8BD707-D9CF-40AE-B4C6-C98DA3205C09}" type="datetimeFigureOut">
               <a:rPr lang="en-US"/>
+              <a:t>8/18/2023</a:t>
             </a:fld>
             <a:endParaRPr lang="en-US"/>
           </a:p>
@@ -1232,6 +1278,7 @@
           <a:p>
             <a:fld id="{B6F15528-21DE-4FAA-801E-634DDDAF4B2B}" type="slidenum">
               <a:rPr/>
+              <a:t>‹#›</a:t>
             </a:fld>
             <a:endParaRPr/>
           </a:p>
@@ -1287,7 +1334,9 @@
               </a:defRPr>
             </a:lvl1pPr>
           </a:lstStyle>
-          <a:p/>
+          <a:p>
+            <a:endParaRPr/>
+          </a:p>
         </p:txBody>
       </p:sp>
       <p:sp>
@@ -1317,6 +1366,7 @@
           <a:p>
             <a:fld id="{1D8BD707-D9CF-40AE-B4C6-C98DA3205C09}" type="datetimeFigureOut">
               <a:rPr lang="en-US"/>
+              <a:t>8/18/2023</a:t>
             </a:fld>
             <a:endParaRPr lang="en-US"/>
           </a:p>
@@ -1349,6 +1399,7 @@
           <a:p>
             <a:fld id="{B6F15528-21DE-4FAA-801E-634DDDAF4B2B}" type="slidenum">
               <a:rPr/>
+              <a:t>‹#›</a:t>
             </a:fld>
             <a:endParaRPr/>
           </a:p>
@@ -1422,7 +1473,9 @@
               </a:defRPr>
             </a:lvl1pPr>
           </a:lstStyle>
-          <a:p/>
+          <a:p>
+            <a:endParaRPr/>
+          </a:p>
         </p:txBody>
       </p:sp>
       <p:sp>
@@ -1459,7 +1512,9 @@
               </a:defRPr>
             </a:lvl1pPr>
           </a:lstStyle>
-          <a:p/>
+          <a:p>
+            <a:endParaRPr/>
+          </a:p>
         </p:txBody>
       </p:sp>
       <p:sp>
@@ -1496,7 +1551,9 @@
               </a:defRPr>
             </a:lvl1pPr>
           </a:lstStyle>
-          <a:p/>
+          <a:p>
+            <a:endParaRPr/>
+          </a:p>
         </p:txBody>
       </p:sp>
       <p:sp>
@@ -1536,6 +1593,7 @@
           <a:p>
             <a:fld id="{1D8BD707-D9CF-40AE-B4C6-C98DA3205C09}" type="datetimeFigureOut">
               <a:rPr lang="en-US"/>
+              <a:t>8/18/2023</a:t>
             </a:fld>
             <a:endParaRPr lang="en-US"/>
           </a:p>
@@ -1578,6 +1636,7 @@
           <a:p>
             <a:fld id="{B6F15528-21DE-4FAA-801E-634DDDAF4B2B}" type="slidenum">
               <a:rPr/>
+              <a:t>‹#›</a:t>
             </a:fld>
             <a:endParaRPr/>
           </a:p>
@@ -1762,7 +1821,7 @@
           <p:nvPr/>
         </p:nvPicPr>
         <p:blipFill>
-          <a:blip r:embed="rId1" cstate="print"/>
+          <a:blip r:embed="rId2" cstate="print"/>
           <a:stretch>
             <a:fillRect/>
           </a:stretch>
@@ -1995,9 +2054,11 @@
         <p:spPr/>
         <p:txBody>
           <a:bodyPr/>
+          <a:lstStyle/>
           <a:p>
             <a:fld id="{B6F15528-21DE-4FAA-801E-634DDDAF4B2B}" type="slidenum">
               <a:rPr/>
+              <a:t>1</a:t>
             </a:fld>
             <a:endParaRPr/>
           </a:p>
@@ -2035,7 +2096,7 @@
           <p:nvPr/>
         </p:nvPicPr>
         <p:blipFill>
-          <a:blip r:embed="rId1" cstate="print"/>
+          <a:blip r:embed="rId2" cstate="print"/>
           <a:stretch>
             <a:fillRect/>
           </a:stretch>
@@ -2087,9 +2148,9 @@
                 <a:latin typeface="Verdana" panose="020B0604030504040204"/>
                 <a:cs typeface="Verdana" panose="020B0604030504040204"/>
               </a:rPr>
-              <a:t>Assisted Practice</a:t>
-            </a:r>
-            <a:endParaRPr lang="en-US" sz="3600">
+              <a:t>Demo</a:t>
+            </a:r>
+            <a:endParaRPr lang="en-US" sz="3600" dirty="0">
               <a:latin typeface="Verdana" panose="020B0604030504040204"/>
               <a:cs typeface="Verdana" panose="020B0604030504040204"/>
             </a:endParaRPr>
@@ -2215,9 +2276,11 @@
         <p:spPr/>
         <p:txBody>
           <a:bodyPr/>
+          <a:lstStyle/>
           <a:p>
             <a:fld id="{B6F15528-21DE-4FAA-801E-634DDDAF4B2B}" type="slidenum">
               <a:rPr/>
+              <a:t>10</a:t>
             </a:fld>
             <a:endParaRPr/>
           </a:p>
@@ -2255,7 +2318,7 @@
           <p:nvPr/>
         </p:nvPicPr>
         <p:blipFill>
-          <a:blip r:embed="rId1" cstate="print"/>
+          <a:blip r:embed="rId2" cstate="print"/>
           <a:stretch>
             <a:fillRect/>
           </a:stretch>
@@ -2475,9 +2538,11 @@
         <p:spPr/>
         <p:txBody>
           <a:bodyPr/>
+          <a:lstStyle/>
           <a:p>
             <a:fld id="{B6F15528-21DE-4FAA-801E-634DDDAF4B2B}" type="slidenum">
               <a:rPr/>
+              <a:t>11</a:t>
             </a:fld>
             <a:endParaRPr/>
           </a:p>
@@ -2764,9 +2829,11 @@
         <p:spPr/>
         <p:txBody>
           <a:bodyPr/>
+          <a:lstStyle/>
           <a:p>
             <a:fld id="{B6F15528-21DE-4FAA-801E-634DDDAF4B2B}" type="slidenum">
               <a:rPr/>
+              <a:t>2</a:t>
             </a:fld>
             <a:endParaRPr/>
           </a:p>
@@ -2781,7 +2848,7 @@
           <p:nvPr/>
         </p:nvPicPr>
         <p:blipFill>
-          <a:blip r:embed="rId1"/>
+          <a:blip r:embed="rId2"/>
           <a:stretch>
             <a:fillRect/>
           </a:stretch>
@@ -2927,9 +2994,11 @@
         <p:spPr/>
         <p:txBody>
           <a:bodyPr/>
+          <a:lstStyle/>
           <a:p>
             <a:fld id="{B6F15528-21DE-4FAA-801E-634DDDAF4B2B}" type="slidenum">
               <a:rPr/>
+              <a:t>3</a:t>
             </a:fld>
             <a:endParaRPr/>
           </a:p>
@@ -3360,9 +3429,11 @@
         <p:spPr/>
         <p:txBody>
           <a:bodyPr/>
+          <a:lstStyle/>
           <a:p>
             <a:fld id="{B6F15528-21DE-4FAA-801E-634DDDAF4B2B}" type="slidenum">
               <a:rPr/>
+              <a:t>4</a:t>
             </a:fld>
             <a:endParaRPr/>
           </a:p>
@@ -3385,7 +3456,14 @@
         <p:cNvGrpSpPr/>
         <p:nvPr/>
       </p:nvGrpSpPr>
-      <p:grpSpPr/>
+      <p:grpSpPr>
+        <a:xfrm>
+          <a:off x="0" y="0"/>
+          <a:ext cx="0" cy="0"/>
+          <a:chOff x="0" y="0"/>
+          <a:chExt cx="0" cy="0"/>
+        </a:xfrm>
+      </p:grpSpPr>
       <p:sp>
         <p:nvSpPr>
           <p:cNvPr id="2" name="Title 1"/>
@@ -3399,6 +3477,7 @@
         <p:spPr/>
         <p:txBody>
           <a:bodyPr/>
+          <a:lstStyle/>
           <a:p>
             <a:endParaRPr lang="en-US"/>
           </a:p>
@@ -3417,6 +3496,7 @@
         <p:spPr/>
         <p:txBody>
           <a:bodyPr/>
+          <a:lstStyle/>
           <a:p>
             <a:endParaRPr lang="en-US"/>
           </a:p>
@@ -3435,9 +3515,11 @@
         <p:spPr/>
         <p:txBody>
           <a:bodyPr/>
+          <a:lstStyle/>
           <a:p>
             <a:fld id="{B6F15528-21DE-4FAA-801E-634DDDAF4B2B}" type="slidenum">
               <a:rPr/>
+              <a:t>5</a:t>
             </a:fld>
             <a:endParaRPr/>
           </a:p>
@@ -3452,7 +3534,7 @@
           <p:nvPr/>
         </p:nvPicPr>
         <p:blipFill>
-          <a:blip r:embed="rId1"/>
+          <a:blip r:embed="rId2"/>
           <a:stretch>
             <a:fillRect/>
           </a:stretch>
@@ -3484,7 +3566,14 @@
         <p:cNvGrpSpPr/>
         <p:nvPr/>
       </p:nvGrpSpPr>
-      <p:grpSpPr/>
+      <p:grpSpPr>
+        <a:xfrm>
+          <a:off x="0" y="0"/>
+          <a:ext cx="0" cy="0"/>
+          <a:chOff x="0" y="0"/>
+          <a:chExt cx="0" cy="0"/>
+        </a:xfrm>
+      </p:grpSpPr>
       <p:sp>
         <p:nvSpPr>
           <p:cNvPr id="2" name="Title 1"/>
@@ -3498,6 +3587,7 @@
         <p:spPr/>
         <p:txBody>
           <a:bodyPr/>
+          <a:lstStyle/>
           <a:p>
             <a:endParaRPr lang="en-US"/>
           </a:p>
@@ -3516,6 +3606,7 @@
         <p:spPr/>
         <p:txBody>
           <a:bodyPr/>
+          <a:lstStyle/>
           <a:p>
             <a:endParaRPr lang="en-US"/>
           </a:p>
@@ -3534,9 +3625,11 @@
         <p:spPr/>
         <p:txBody>
           <a:bodyPr/>
+          <a:lstStyle/>
           <a:p>
             <a:fld id="{B6F15528-21DE-4FAA-801E-634DDDAF4B2B}" type="slidenum">
               <a:rPr/>
+              <a:t>6</a:t>
             </a:fld>
             <a:endParaRPr/>
           </a:p>
@@ -3556,12 +3649,12 @@
           <a:graphicData uri="http://schemas.openxmlformats.org/presentationml/2006/ole">
             <mc:AlternateContent xmlns:mc="http://schemas.openxmlformats.org/markup-compatibility/2006">
               <mc:Choice xmlns:v="urn:schemas-microsoft-com:vml" Requires="v">
-                <p:oleObj spid="_x0000_s6" name="" r:id="rId1" imgW="9210675" imgH="5829300" progId="Paint.Picture">
+                <p:oleObj r:id="rId2" imgW="9210675" imgH="5829300" progId="Paint.Picture">
                   <p:embed/>
                 </p:oleObj>
               </mc:Choice>
               <mc:Fallback>
-                <p:oleObj name="" r:id="rId1" imgW="9210675" imgH="5829300" progId="Paint.Picture">
+                <p:oleObj r:id="rId2" imgW="9210675" imgH="5829300" progId="Paint.Picture">
                   <p:embed/>
                   <p:pic>
                     <p:nvPicPr>
@@ -3570,7 +3663,7 @@
                       <p:nvPr/>
                     </p:nvPicPr>
                     <p:blipFill>
-                      <a:blip r:embed="rId2"/>
+                      <a:blip r:embed="rId3"/>
                       <a:stretch>
                         <a:fillRect/>
                       </a:stretch>
@@ -3661,7 +3754,9 @@
         <p:txBody>
           <a:bodyPr wrap="square" lIns="0" tIns="0" rIns="0" bIns="0" rtlCol="0"/>
           <a:lstStyle/>
-          <a:p/>
+          <a:p>
+            <a:endParaRPr/>
+          </a:p>
         </p:txBody>
       </p:sp>
       <p:sp>
@@ -3701,7 +3796,6 @@
               <a:rPr spc="-105" dirty="0"/>
               <a:t>&lt;error-page&gt;</a:t>
             </a:r>
-            <a:endParaRPr spc="-105" dirty="0"/>
           </a:p>
         </p:txBody>
       </p:sp>
@@ -4094,9 +4188,11 @@
         <p:spPr/>
         <p:txBody>
           <a:bodyPr/>
+          <a:lstStyle/>
           <a:p>
             <a:fld id="{B6F15528-21DE-4FAA-801E-634DDDAF4B2B}" type="slidenum">
               <a:rPr/>
+              <a:t>7</a:t>
             </a:fld>
             <a:endParaRPr/>
           </a:p>
@@ -4172,7 +4268,9 @@
         <p:txBody>
           <a:bodyPr wrap="square" lIns="0" tIns="0" rIns="0" bIns="0" rtlCol="0"/>
           <a:lstStyle/>
-          <a:p/>
+          <a:p>
+            <a:endParaRPr/>
+          </a:p>
         </p:txBody>
       </p:sp>
       <p:sp>
@@ -4212,7 +4310,6 @@
               <a:rPr spc="-105" dirty="0"/>
               <a:t>&lt;error-page&gt;</a:t>
             </a:r>
-            <a:endParaRPr spc="-105" dirty="0"/>
           </a:p>
         </p:txBody>
       </p:sp>
@@ -4265,7 +4362,7 @@
               </a:rPr>
               <a:t>java.lang.ArithmeticException</a:t>
             </a:r>
-            <a:endParaRPr sz="2800">
+            <a:endParaRPr sz="2800" dirty="0">
               <a:latin typeface="Verdana" panose="020B0604030504040204"/>
               <a:cs typeface="Verdana" panose="020B0604030504040204"/>
             </a:endParaRPr>
@@ -4289,7 +4386,7 @@
               </a:rPr>
               <a:t>&lt;/exception-type&gt;</a:t>
             </a:r>
-            <a:endParaRPr sz="2800">
+            <a:endParaRPr sz="2800" dirty="0">
               <a:latin typeface="Verdana" panose="020B0604030504040204"/>
               <a:cs typeface="Verdana" panose="020B0604030504040204"/>
             </a:endParaRPr>
@@ -4353,7 +4450,7 @@
               </a:rPr>
               <a:t>location&gt;</a:t>
             </a:r>
-            <a:endParaRPr sz="2800">
+            <a:endParaRPr sz="2800" dirty="0">
               <a:latin typeface="Verdana" panose="020B0604030504040204"/>
               <a:cs typeface="Verdana" panose="020B0604030504040204"/>
             </a:endParaRPr>
@@ -4377,27 +4474,7 @@
               </a:rPr>
               <a:t>&lt;/error-page&gt;</a:t>
             </a:r>
-            <a:r>
-              <a:rPr sz="2800" spc="-85" dirty="0">
-                <a:solidFill>
-                  <a:srgbClr val="C43B0E"/>
-                </a:solidFill>
-                <a:latin typeface="Verdana" panose="020B0604030504040204"/>
-                <a:cs typeface="Verdana" panose="020B0604030504040204"/>
-              </a:rPr>
-              <a:t> </a:t>
-            </a:r>
-            <a:r>
-              <a:rPr sz="2800" spc="-105" dirty="0">
-                <a:solidFill>
-                  <a:srgbClr val="C43B0E"/>
-                </a:solidFill>
-                <a:latin typeface="Verdana" panose="020B0604030504040204"/>
-                <a:cs typeface="Verdana" panose="020B0604030504040204"/>
-              </a:rPr>
-              <a:t>&lt;/error-page&gt;</a:t>
-            </a:r>
-            <a:endParaRPr sz="2800">
+            <a:endParaRPr sz="2800" dirty="0">
               <a:latin typeface="Verdana" panose="020B0604030504040204"/>
               <a:cs typeface="Verdana" panose="020B0604030504040204"/>
             </a:endParaRPr>
@@ -4411,7 +4488,7 @@
                 <a:spcPts val="30"/>
               </a:spcBef>
             </a:pPr>
-            <a:endParaRPr sz="3200">
+            <a:endParaRPr sz="3200" dirty="0">
               <a:latin typeface="Verdana" panose="020B0604030504040204"/>
               <a:cs typeface="Verdana" panose="020B0604030504040204"/>
             </a:endParaRPr>
@@ -4435,7 +4512,7 @@
               </a:rPr>
               <a:t>Syntax</a:t>
             </a:r>
-            <a:endParaRPr sz="3600">
+            <a:endParaRPr sz="3600" dirty="0">
               <a:latin typeface="Verdana" panose="020B0604030504040204"/>
               <a:cs typeface="Verdana" panose="020B0604030504040204"/>
             </a:endParaRPr>
@@ -4619,7 +4696,7 @@
               </a:rPr>
               <a:t>Exception</a:t>
             </a:r>
-            <a:endParaRPr sz="2400">
+            <a:endParaRPr sz="2400" dirty="0">
               <a:latin typeface="Verdana" panose="020B0604030504040204"/>
               <a:cs typeface="Verdana" panose="020B0604030504040204"/>
             </a:endParaRPr>
@@ -4639,9 +4716,11 @@
         <p:spPr/>
         <p:txBody>
           <a:bodyPr/>
+          <a:lstStyle/>
           <a:p>
             <a:fld id="{B6F15528-21DE-4FAA-801E-634DDDAF4B2B}" type="slidenum">
               <a:rPr/>
+              <a:t>8</a:t>
             </a:fld>
             <a:endParaRPr/>
           </a:p>
@@ -4717,7 +4796,9 @@
         <p:txBody>
           <a:bodyPr wrap="square" lIns="0" tIns="0" rIns="0" bIns="0" rtlCol="0"/>
           <a:lstStyle/>
-          <a:p/>
+          <a:p>
+            <a:endParaRPr/>
+          </a:p>
         </p:txBody>
       </p:sp>
       <p:sp>
@@ -4753,7 +4834,6 @@
               <a:rPr spc="-105" dirty="0"/>
               <a:t>&lt;error-page&gt;</a:t>
             </a:r>
-            <a:endParaRPr spc="-105" dirty="0"/>
           </a:p>
         </p:txBody>
       </p:sp>
@@ -4802,7 +4882,6 @@
               <a:rPr spc="-65" dirty="0"/>
               <a:t>&lt;/error-code&gt;</a:t>
             </a:r>
-            <a:endParaRPr spc="-65" dirty="0"/>
           </a:p>
           <a:p>
             <a:pPr marL="15875">
@@ -4829,7 +4908,6 @@
               <a:rPr spc="-85" dirty="0"/>
               <a:t>&lt;/location&gt;</a:t>
             </a:r>
-            <a:endParaRPr spc="-85" dirty="0"/>
           </a:p>
           <a:p>
             <a:pPr marL="15875">
@@ -4844,7 +4922,6 @@
               <a:rPr spc="-105" dirty="0"/>
               <a:t>&lt;/error-page&gt;</a:t>
             </a:r>
-            <a:endParaRPr spc="-105" dirty="0"/>
           </a:p>
           <a:p>
             <a:pPr>
@@ -4891,10 +4968,138 @@
                   <a:srgbClr val="3E3E3E"/>
                 </a:solidFill>
               </a:rPr>
-              <a:t>T</a:t>
-            </a:r>
-            <a:r>
-              <a:rPr sz="2400" spc="80" dirty="0">
+              <a:t>To</a:t>
+            </a:r>
+            <a:r>
+              <a:rPr sz="2400" spc="-140" dirty="0">
+                <a:solidFill>
+                  <a:srgbClr val="3E3E3E"/>
+                </a:solidFill>
+              </a:rPr>
+              <a:t> </a:t>
+            </a:r>
+            <a:r>
+              <a:rPr sz="2400" spc="-10" dirty="0">
+                <a:solidFill>
+                  <a:srgbClr val="3E3E3E"/>
+                </a:solidFill>
+              </a:rPr>
+              <a:t>Declar</a:t>
+            </a:r>
+            <a:r>
+              <a:rPr sz="2400" spc="-5" dirty="0">
+                <a:solidFill>
+                  <a:srgbClr val="3E3E3E"/>
+                </a:solidFill>
+              </a:rPr>
+              <a:t>e</a:t>
+            </a:r>
+            <a:r>
+              <a:rPr sz="2400" spc="-140" dirty="0">
+                <a:solidFill>
+                  <a:srgbClr val="3E3E3E"/>
+                </a:solidFill>
+              </a:rPr>
+              <a:t> </a:t>
+            </a:r>
+            <a:r>
+              <a:rPr sz="2400" spc="-50" dirty="0">
+                <a:solidFill>
+                  <a:srgbClr val="3E3E3E"/>
+                </a:solidFill>
+              </a:rPr>
+              <a:t>an</a:t>
+            </a:r>
+            <a:r>
+              <a:rPr sz="2400" spc="-140" dirty="0">
+                <a:solidFill>
+                  <a:srgbClr val="3E3E3E"/>
+                </a:solidFill>
+              </a:rPr>
+              <a:t> </a:t>
+            </a:r>
+            <a:r>
+              <a:rPr sz="2400" dirty="0">
+                <a:solidFill>
+                  <a:srgbClr val="3E3E3E"/>
+                </a:solidFill>
+              </a:rPr>
+              <a:t>Error</a:t>
+            </a:r>
+            <a:r>
+              <a:rPr sz="2400" spc="-140" dirty="0">
+                <a:solidFill>
+                  <a:srgbClr val="3E3E3E"/>
+                </a:solidFill>
+              </a:rPr>
+              <a:t> </a:t>
+            </a:r>
+            <a:r>
+              <a:rPr sz="2400" spc="40" dirty="0">
+                <a:solidFill>
+                  <a:srgbClr val="3E3E3E"/>
+                </a:solidFill>
+              </a:rPr>
+              <a:t>Pag</a:t>
+            </a:r>
+            <a:r>
+              <a:rPr sz="2400" spc="45" dirty="0">
+                <a:solidFill>
+                  <a:srgbClr val="3E3E3E"/>
+                </a:solidFill>
+              </a:rPr>
+              <a:t>e</a:t>
+            </a:r>
+            <a:r>
+              <a:rPr sz="2400" spc="-140" dirty="0">
+                <a:solidFill>
+                  <a:srgbClr val="3E3E3E"/>
+                </a:solidFill>
+              </a:rPr>
+              <a:t> </a:t>
+            </a:r>
+            <a:r>
+              <a:rPr sz="2400" spc="20" dirty="0">
+                <a:solidFill>
+                  <a:srgbClr val="3E3E3E"/>
+                </a:solidFill>
+              </a:rPr>
+              <a:t>for</a:t>
+            </a:r>
+            <a:r>
+              <a:rPr sz="2400" spc="-140" dirty="0">
+                <a:solidFill>
+                  <a:srgbClr val="3E3E3E"/>
+                </a:solidFill>
+              </a:rPr>
+              <a:t> </a:t>
+            </a:r>
+            <a:r>
+              <a:rPr sz="2400" spc="5" dirty="0">
+                <a:solidFill>
+                  <a:srgbClr val="3E3E3E"/>
+                </a:solidFill>
+              </a:rPr>
+              <a:t>Base</a:t>
+            </a:r>
+            <a:r>
+              <a:rPr sz="2400" spc="10" dirty="0">
+                <a:solidFill>
+                  <a:srgbClr val="3E3E3E"/>
+                </a:solidFill>
+              </a:rPr>
+              <a:t>d</a:t>
+            </a:r>
+            <a:r>
+              <a:rPr sz="2400" spc="-140" dirty="0">
+                <a:solidFill>
+                  <a:srgbClr val="3E3E3E"/>
+                </a:solidFill>
+              </a:rPr>
+              <a:t> </a:t>
+            </a:r>
+            <a:r>
+              <a:rPr sz="2400" spc="20" dirty="0">
                 <a:solidFill>
                   <a:srgbClr val="3E3E3E"/>
                 </a:solidFill>
@@ -4902,6 +5107,14 @@
               <a:t>o</a:t>
             </a:r>
             <a:r>
+              <a:rPr sz="2400" spc="25" dirty="0">
+                <a:solidFill>
+                  <a:srgbClr val="3E3E3E"/>
+                </a:solidFill>
+              </a:rPr>
+              <a:t>n</a:t>
+            </a:r>
+            <a:r>
               <a:rPr sz="2400" spc="-140" dirty="0">
                 <a:solidFill>
                   <a:srgbClr val="3E3E3E"/>
@@ -4910,20 +5123,12 @@
               <a:t> </a:t>
             </a:r>
             <a:r>
-              <a:rPr sz="2400" spc="-10" dirty="0">
-                <a:solidFill>
-                  <a:srgbClr val="3E3E3E"/>
-                </a:solidFill>
-              </a:rPr>
-              <a:t>Declar</a:t>
-            </a:r>
-            <a:r>
-              <a:rPr sz="2400" spc="-5" dirty="0">
-                <a:solidFill>
-                  <a:srgbClr val="3E3E3E"/>
-                </a:solidFill>
-              </a:rPr>
-              <a:t>e</a:t>
+              <a:rPr sz="2400" spc="75" dirty="0">
+                <a:solidFill>
+                  <a:srgbClr val="3E3E3E"/>
+                </a:solidFill>
+              </a:rPr>
+              <a:t>HTTP</a:t>
             </a:r>
             <a:r>
               <a:rPr sz="2400" spc="-140" dirty="0">
@@ -4934,188 +5139,12 @@
               <a:t> </a:t>
             </a:r>
             <a:r>
-              <a:rPr sz="2400" spc="-50" dirty="0">
-                <a:solidFill>
-                  <a:srgbClr val="3E3E3E"/>
-                </a:solidFill>
-              </a:rPr>
-              <a:t>a</a:t>
-            </a:r>
-            <a:r>
-              <a:rPr sz="2400" spc="-50" dirty="0">
-                <a:solidFill>
-                  <a:srgbClr val="3E3E3E"/>
-                </a:solidFill>
-              </a:rPr>
-              <a:t>n</a:t>
-            </a:r>
-            <a:r>
-              <a:rPr sz="2400" spc="-140" dirty="0">
-                <a:solidFill>
-                  <a:srgbClr val="3E3E3E"/>
-                </a:solidFill>
-              </a:rPr>
-              <a:t> </a:t>
-            </a:r>
-            <a:r>
               <a:rPr sz="2400" dirty="0">
                 <a:solidFill>
                   <a:srgbClr val="3E3E3E"/>
                 </a:solidFill>
               </a:rPr>
-              <a:t>Erro</a:t>
-            </a:r>
-            <a:r>
-              <a:rPr sz="2400" dirty="0">
-                <a:solidFill>
-                  <a:srgbClr val="3E3E3E"/>
-                </a:solidFill>
-              </a:rPr>
-              <a:t>r</a:t>
-            </a:r>
-            <a:r>
-              <a:rPr sz="2400" spc="-140" dirty="0">
-                <a:solidFill>
-                  <a:srgbClr val="3E3E3E"/>
-                </a:solidFill>
-              </a:rPr>
-              <a:t> </a:t>
-            </a:r>
-            <a:r>
-              <a:rPr sz="2400" spc="40" dirty="0">
-                <a:solidFill>
-                  <a:srgbClr val="3E3E3E"/>
-                </a:solidFill>
-              </a:rPr>
-              <a:t>Pag</a:t>
-            </a:r>
-            <a:r>
-              <a:rPr sz="2400" spc="45" dirty="0">
-                <a:solidFill>
-                  <a:srgbClr val="3E3E3E"/>
-                </a:solidFill>
-              </a:rPr>
-              <a:t>e</a:t>
-            </a:r>
-            <a:r>
-              <a:rPr sz="2400" spc="-140" dirty="0">
-                <a:solidFill>
-                  <a:srgbClr val="3E3E3E"/>
-                </a:solidFill>
-              </a:rPr>
-              <a:t> </a:t>
-            </a:r>
-            <a:r>
-              <a:rPr sz="2400" spc="20" dirty="0">
-                <a:solidFill>
-                  <a:srgbClr val="3E3E3E"/>
-                </a:solidFill>
-              </a:rPr>
-              <a:t>fo</a:t>
-            </a:r>
-            <a:r>
-              <a:rPr sz="2400" spc="20" dirty="0">
-                <a:solidFill>
-                  <a:srgbClr val="3E3E3E"/>
-                </a:solidFill>
-              </a:rPr>
-              <a:t>r</a:t>
-            </a:r>
-            <a:r>
-              <a:rPr sz="2400" spc="-140" dirty="0">
-                <a:solidFill>
-                  <a:srgbClr val="3E3E3E"/>
-                </a:solidFill>
-              </a:rPr>
-              <a:t> </a:t>
-            </a:r>
-            <a:r>
-              <a:rPr sz="2400" spc="5" dirty="0">
-                <a:solidFill>
-                  <a:srgbClr val="3E3E3E"/>
-                </a:solidFill>
-              </a:rPr>
-              <a:t>Base</a:t>
-            </a:r>
-            <a:r>
-              <a:rPr sz="2400" spc="10" dirty="0">
-                <a:solidFill>
-                  <a:srgbClr val="3E3E3E"/>
-                </a:solidFill>
-              </a:rPr>
-              <a:t>d</a:t>
-            </a:r>
-            <a:r>
-              <a:rPr sz="2400" spc="-140" dirty="0">
-                <a:solidFill>
-                  <a:srgbClr val="3E3E3E"/>
-                </a:solidFill>
-              </a:rPr>
-              <a:t> </a:t>
-            </a:r>
-            <a:r>
-              <a:rPr sz="2400" spc="20" dirty="0">
-                <a:solidFill>
-                  <a:srgbClr val="3E3E3E"/>
-                </a:solidFill>
-              </a:rPr>
-              <a:t>o</a:t>
-            </a:r>
-            <a:r>
-              <a:rPr sz="2400" spc="25" dirty="0">
-                <a:solidFill>
-                  <a:srgbClr val="3E3E3E"/>
-                </a:solidFill>
-              </a:rPr>
-              <a:t>n</a:t>
-            </a:r>
-            <a:r>
-              <a:rPr sz="2400" spc="-140" dirty="0">
-                <a:solidFill>
-                  <a:srgbClr val="3E3E3E"/>
-                </a:solidFill>
-              </a:rPr>
-              <a:t> </a:t>
-            </a:r>
-            <a:r>
-              <a:rPr sz="2400" spc="75" dirty="0">
-                <a:solidFill>
-                  <a:srgbClr val="3E3E3E"/>
-                </a:solidFill>
-              </a:rPr>
-              <a:t>HTT</a:t>
-            </a:r>
-            <a:r>
-              <a:rPr sz="2400" spc="75" dirty="0">
-                <a:solidFill>
-                  <a:srgbClr val="3E3E3E"/>
-                </a:solidFill>
-              </a:rPr>
-              <a:t>P</a:t>
-            </a:r>
-            <a:r>
-              <a:rPr sz="2400" spc="-140" dirty="0">
-                <a:solidFill>
-                  <a:srgbClr val="3E3E3E"/>
-                </a:solidFill>
-              </a:rPr>
-              <a:t> </a:t>
-            </a:r>
-            <a:r>
-              <a:rPr sz="2400" dirty="0">
-                <a:solidFill>
-                  <a:srgbClr val="3E3E3E"/>
-                </a:solidFill>
-              </a:rPr>
-              <a:t>Erro</a:t>
-            </a:r>
-            <a:r>
-              <a:rPr sz="2400" dirty="0">
-                <a:solidFill>
-                  <a:srgbClr val="3E3E3E"/>
-                </a:solidFill>
-              </a:rPr>
-              <a:t>r</a:t>
+              <a:t>Error</a:t>
             </a:r>
             <a:r>
               <a:rPr sz="2400" spc="-390" dirty="0">
@@ -5238,9 +5267,11 @@
         <p:spPr/>
         <p:txBody>
           <a:bodyPr/>
+          <a:lstStyle/>
           <a:p>
             <a:fld id="{B6F15528-21DE-4FAA-801E-634DDDAF4B2B}" type="slidenum">
               <a:rPr/>
+              <a:t>9</a:t>
             </a:fld>
             <a:endParaRPr/>
           </a:p>
@@ -5532,6 +5563,8 @@
       </a:bgFillStyleLst>
     </a:fmtScheme>
   </a:themeElements>
+  <a:objectDefaults/>
+  <a:extraClrSchemeLst/>
   <a:extLst>
     <a:ext uri="{05A4C25C-085E-4340-85A3-A5531E510DB2}">
       <thm15:themeFamily xmlns:thm15="http://schemas.microsoft.com/office/thememl/2012/main" name="Office Theme" id="{62F939B6-93AF-4DB8-9C6B-D6C7DFDC589F}" vid="{4A3C46E8-61CC-4603-A589-7422A47A8E4A}"/>
@@ -5791,6 +5824,8 @@
       </a:bgFillStyleLst>
     </a:fmtScheme>
   </a:themeElements>
+  <a:objectDefaults/>
+  <a:extraClrSchemeLst/>
   <a:extLst>
     <a:ext uri="{05A4C25C-085E-4340-85A3-A5531E510DB2}">
       <thm15:themeFamily xmlns:thm15="http://schemas.microsoft.com/office/thememl/2012/main" name="Office Theme" id="{62F939B6-93AF-4DB8-9C6B-D6C7DFDC589F}" vid="{4A3C46E8-61CC-4603-A589-7422A47A8E4A}"/>
